--- a/images/voxelization/体素化图例.pptx
+++ b/images/voxelization/体素化图例.pptx
@@ -6,6 +6,7 @@
   </p:sldMasterIdLst>
   <p:sldIdLst>
     <p:sldId id="256" r:id="rId2"/>
+    <p:sldId id="257" r:id="rId3"/>
   </p:sldIdLst>
   <p:sldSz cx="12192000" cy="6858000"/>
   <p:notesSz cx="6858000" cy="9144000"/>
@@ -104,6 +105,11 @@
       </a:defRPr>
     </a:lvl9pPr>
   </p:defaultTextStyle>
+  <p:extLst>
+    <p:ext uri="{EFAFB233-063F-42B5-8137-9DF3F51BA10A}">
+      <p15:sldGuideLst xmlns:p15="http://schemas.microsoft.com/office/powerpoint/2012/main"/>
+    </p:ext>
+  </p:extLst>
 </p:presentation>
 </file>
 
@@ -238,7 +244,7 @@
           <a:p>
             <a:fld id="{1471D4AF-BEFD-4057-A819-89F83D1DB110}" type="datetimeFigureOut">
               <a:rPr lang="zh-CN" altLang="en-US" smtClean="0"/>
-              <a:t>2019/6/3</a:t>
+              <a:t>2019/7/3</a:t>
             </a:fld>
             <a:endParaRPr lang="zh-CN" altLang="en-US"/>
           </a:p>
@@ -408,7 +414,7 @@
           <a:p>
             <a:fld id="{1471D4AF-BEFD-4057-A819-89F83D1DB110}" type="datetimeFigureOut">
               <a:rPr lang="zh-CN" altLang="en-US" smtClean="0"/>
-              <a:t>2019/6/3</a:t>
+              <a:t>2019/7/3</a:t>
             </a:fld>
             <a:endParaRPr lang="zh-CN" altLang="en-US"/>
           </a:p>
@@ -588,7 +594,7 @@
           <a:p>
             <a:fld id="{1471D4AF-BEFD-4057-A819-89F83D1DB110}" type="datetimeFigureOut">
               <a:rPr lang="zh-CN" altLang="en-US" smtClean="0"/>
-              <a:t>2019/6/3</a:t>
+              <a:t>2019/7/3</a:t>
             </a:fld>
             <a:endParaRPr lang="zh-CN" altLang="en-US"/>
           </a:p>
@@ -758,7 +764,7 @@
           <a:p>
             <a:fld id="{1471D4AF-BEFD-4057-A819-89F83D1DB110}" type="datetimeFigureOut">
               <a:rPr lang="zh-CN" altLang="en-US" smtClean="0"/>
-              <a:t>2019/6/3</a:t>
+              <a:t>2019/7/3</a:t>
             </a:fld>
             <a:endParaRPr lang="zh-CN" altLang="en-US"/>
           </a:p>
@@ -1004,7 +1010,7 @@
           <a:p>
             <a:fld id="{1471D4AF-BEFD-4057-A819-89F83D1DB110}" type="datetimeFigureOut">
               <a:rPr lang="zh-CN" altLang="en-US" smtClean="0"/>
-              <a:t>2019/6/3</a:t>
+              <a:t>2019/7/3</a:t>
             </a:fld>
             <a:endParaRPr lang="zh-CN" altLang="en-US"/>
           </a:p>
@@ -1236,7 +1242,7 @@
           <a:p>
             <a:fld id="{1471D4AF-BEFD-4057-A819-89F83D1DB110}" type="datetimeFigureOut">
               <a:rPr lang="zh-CN" altLang="en-US" smtClean="0"/>
-              <a:t>2019/6/3</a:t>
+              <a:t>2019/7/3</a:t>
             </a:fld>
             <a:endParaRPr lang="zh-CN" altLang="en-US"/>
           </a:p>
@@ -1603,7 +1609,7 @@
           <a:p>
             <a:fld id="{1471D4AF-BEFD-4057-A819-89F83D1DB110}" type="datetimeFigureOut">
               <a:rPr lang="zh-CN" altLang="en-US" smtClean="0"/>
-              <a:t>2019/6/3</a:t>
+              <a:t>2019/7/3</a:t>
             </a:fld>
             <a:endParaRPr lang="zh-CN" altLang="en-US"/>
           </a:p>
@@ -1721,7 +1727,7 @@
           <a:p>
             <a:fld id="{1471D4AF-BEFD-4057-A819-89F83D1DB110}" type="datetimeFigureOut">
               <a:rPr lang="zh-CN" altLang="en-US" smtClean="0"/>
-              <a:t>2019/6/3</a:t>
+              <a:t>2019/7/3</a:t>
             </a:fld>
             <a:endParaRPr lang="zh-CN" altLang="en-US"/>
           </a:p>
@@ -1816,7 +1822,7 @@
           <a:p>
             <a:fld id="{1471D4AF-BEFD-4057-A819-89F83D1DB110}" type="datetimeFigureOut">
               <a:rPr lang="zh-CN" altLang="en-US" smtClean="0"/>
-              <a:t>2019/6/3</a:t>
+              <a:t>2019/7/3</a:t>
             </a:fld>
             <a:endParaRPr lang="zh-CN" altLang="en-US"/>
           </a:p>
@@ -2093,7 +2099,7 @@
           <a:p>
             <a:fld id="{1471D4AF-BEFD-4057-A819-89F83D1DB110}" type="datetimeFigureOut">
               <a:rPr lang="zh-CN" altLang="en-US" smtClean="0"/>
-              <a:t>2019/6/3</a:t>
+              <a:t>2019/7/3</a:t>
             </a:fld>
             <a:endParaRPr lang="zh-CN" altLang="en-US"/>
           </a:p>
@@ -2346,7 +2352,7 @@
           <a:p>
             <a:fld id="{1471D4AF-BEFD-4057-A819-89F83D1DB110}" type="datetimeFigureOut">
               <a:rPr lang="zh-CN" altLang="en-US" smtClean="0"/>
-              <a:t>2019/6/3</a:t>
+              <a:t>2019/7/3</a:t>
             </a:fld>
             <a:endParaRPr lang="zh-CN" altLang="en-US"/>
           </a:p>
@@ -2559,7 +2565,7 @@
           <a:p>
             <a:fld id="{1471D4AF-BEFD-4057-A819-89F83D1DB110}" type="datetimeFigureOut">
               <a:rPr lang="zh-CN" altLang="en-US" smtClean="0"/>
-              <a:t>2019/6/3</a:t>
+              <a:t>2019/7/3</a:t>
             </a:fld>
             <a:endParaRPr lang="zh-CN" altLang="en-US"/>
           </a:p>
@@ -3634,6 +3640,441 @@
 </p:sld>
 </file>
 
+<file path=ppt/slides/slide2.xml><?xml version="1.0" encoding="utf-8"?>
+<p:sld xmlns:a="http://schemas.openxmlformats.org/drawingml/2006/main" xmlns:r="http://schemas.openxmlformats.org/officeDocument/2006/relationships" xmlns:p="http://schemas.openxmlformats.org/presentationml/2006/main">
+  <p:cSld>
+    <p:spTree>
+      <p:nvGrpSpPr>
+        <p:cNvPr id="1" name=""/>
+        <p:cNvGrpSpPr/>
+        <p:nvPr/>
+      </p:nvGrpSpPr>
+      <p:grpSpPr>
+        <a:xfrm>
+          <a:off x="0" y="0"/>
+          <a:ext cx="0" cy="0"/>
+          <a:chOff x="0" y="0"/>
+          <a:chExt cx="0" cy="0"/>
+        </a:xfrm>
+      </p:grpSpPr>
+      <p:pic>
+        <p:nvPicPr>
+          <p:cNvPr id="4" name="图片 3"/>
+          <p:cNvPicPr>
+            <a:picLocks noChangeAspect="1"/>
+          </p:cNvPicPr>
+          <p:nvPr/>
+        </p:nvPicPr>
+        <p:blipFill>
+          <a:blip r:embed="rId2"/>
+          <a:stretch>
+            <a:fillRect/>
+          </a:stretch>
+        </p:blipFill>
+        <p:spPr>
+          <a:xfrm>
+            <a:off x="211048" y="621815"/>
+            <a:ext cx="11980952" cy="5647619"/>
+          </a:xfrm>
+          <a:prstGeom prst="rect">
+            <a:avLst/>
+          </a:prstGeom>
+        </p:spPr>
+      </p:pic>
+      <p:sp>
+        <p:nvSpPr>
+          <p:cNvPr id="5" name="右箭头 4"/>
+          <p:cNvSpPr/>
+          <p:nvPr/>
+        </p:nvSpPr>
+        <p:spPr>
+          <a:xfrm>
+            <a:off x="4039985" y="1970116"/>
+            <a:ext cx="249382" cy="174568"/>
+          </a:xfrm>
+          <a:prstGeom prst="rightArrow">
+            <a:avLst/>
+          </a:prstGeom>
+        </p:spPr>
+        <p:style>
+          <a:lnRef idx="2">
+            <a:schemeClr val="accent1">
+              <a:shade val="50000"/>
+            </a:schemeClr>
+          </a:lnRef>
+          <a:fillRef idx="1">
+            <a:schemeClr val="accent1"/>
+          </a:fillRef>
+          <a:effectRef idx="0">
+            <a:schemeClr val="accent1"/>
+          </a:effectRef>
+          <a:fontRef idx="minor">
+            <a:schemeClr val="lt1"/>
+          </a:fontRef>
+        </p:style>
+        <p:txBody>
+          <a:bodyPr rtlCol="0" anchor="ctr"/>
+          <a:lstStyle/>
+          <a:p>
+            <a:pPr algn="ctr"/>
+            <a:endParaRPr lang="zh-CN" altLang="en-US"/>
+          </a:p>
+        </p:txBody>
+      </p:sp>
+      <p:sp>
+        <p:nvSpPr>
+          <p:cNvPr id="6" name="右箭头 5"/>
+          <p:cNvSpPr/>
+          <p:nvPr/>
+        </p:nvSpPr>
+        <p:spPr>
+          <a:xfrm>
+            <a:off x="7858297" y="1970116"/>
+            <a:ext cx="249382" cy="174568"/>
+          </a:xfrm>
+          <a:prstGeom prst="rightArrow">
+            <a:avLst/>
+          </a:prstGeom>
+        </p:spPr>
+        <p:style>
+          <a:lnRef idx="2">
+            <a:schemeClr val="accent1">
+              <a:shade val="50000"/>
+            </a:schemeClr>
+          </a:lnRef>
+          <a:fillRef idx="1">
+            <a:schemeClr val="accent1"/>
+          </a:fillRef>
+          <a:effectRef idx="0">
+            <a:schemeClr val="accent1"/>
+          </a:effectRef>
+          <a:fontRef idx="minor">
+            <a:schemeClr val="lt1"/>
+          </a:fontRef>
+        </p:style>
+        <p:txBody>
+          <a:bodyPr rtlCol="0" anchor="ctr"/>
+          <a:lstStyle/>
+          <a:p>
+            <a:pPr algn="ctr"/>
+            <a:endParaRPr lang="zh-CN" altLang="en-US"/>
+          </a:p>
+        </p:txBody>
+      </p:sp>
+      <p:sp>
+        <p:nvSpPr>
+          <p:cNvPr id="7" name="右箭头 6"/>
+          <p:cNvSpPr/>
+          <p:nvPr/>
+        </p:nvSpPr>
+        <p:spPr>
+          <a:xfrm>
+            <a:off x="4039985" y="4649585"/>
+            <a:ext cx="249382" cy="174568"/>
+          </a:xfrm>
+          <a:prstGeom prst="rightArrow">
+            <a:avLst/>
+          </a:prstGeom>
+        </p:spPr>
+        <p:style>
+          <a:lnRef idx="2">
+            <a:schemeClr val="accent1">
+              <a:shade val="50000"/>
+            </a:schemeClr>
+          </a:lnRef>
+          <a:fillRef idx="1">
+            <a:schemeClr val="accent1"/>
+          </a:fillRef>
+          <a:effectRef idx="0">
+            <a:schemeClr val="accent1"/>
+          </a:effectRef>
+          <a:fontRef idx="minor">
+            <a:schemeClr val="lt1"/>
+          </a:fontRef>
+        </p:style>
+        <p:txBody>
+          <a:bodyPr rtlCol="0" anchor="ctr"/>
+          <a:lstStyle/>
+          <a:p>
+            <a:pPr algn="ctr"/>
+            <a:endParaRPr lang="zh-CN" altLang="en-US"/>
+          </a:p>
+        </p:txBody>
+      </p:sp>
+      <p:sp>
+        <p:nvSpPr>
+          <p:cNvPr id="8" name="右箭头 7"/>
+          <p:cNvSpPr/>
+          <p:nvPr/>
+        </p:nvSpPr>
+        <p:spPr>
+          <a:xfrm>
+            <a:off x="7858297" y="4649585"/>
+            <a:ext cx="249382" cy="174568"/>
+          </a:xfrm>
+          <a:prstGeom prst="rightArrow">
+            <a:avLst/>
+          </a:prstGeom>
+        </p:spPr>
+        <p:style>
+          <a:lnRef idx="2">
+            <a:schemeClr val="accent1">
+              <a:shade val="50000"/>
+            </a:schemeClr>
+          </a:lnRef>
+          <a:fillRef idx="1">
+            <a:schemeClr val="accent1"/>
+          </a:fillRef>
+          <a:effectRef idx="0">
+            <a:schemeClr val="accent1"/>
+          </a:effectRef>
+          <a:fontRef idx="minor">
+            <a:schemeClr val="lt1"/>
+          </a:fontRef>
+        </p:style>
+        <p:txBody>
+          <a:bodyPr rtlCol="0" anchor="ctr"/>
+          <a:lstStyle/>
+          <a:p>
+            <a:pPr algn="ctr"/>
+            <a:endParaRPr lang="zh-CN" altLang="en-US"/>
+          </a:p>
+        </p:txBody>
+      </p:sp>
+      <p:grpSp>
+        <p:nvGrpSpPr>
+          <p:cNvPr id="15" name="组合 14"/>
+          <p:cNvGrpSpPr/>
+          <p:nvPr/>
+        </p:nvGrpSpPr>
+        <p:grpSpPr>
+          <a:xfrm>
+            <a:off x="2074084" y="3273425"/>
+            <a:ext cx="7884564" cy="360185"/>
+            <a:chOff x="2074084" y="3273425"/>
+            <a:chExt cx="7884564" cy="360185"/>
+          </a:xfrm>
+        </p:grpSpPr>
+        <p:sp>
+          <p:nvSpPr>
+            <p:cNvPr id="12" name="下箭头 11"/>
+            <p:cNvSpPr/>
+            <p:nvPr/>
+          </p:nvSpPr>
+          <p:spPr>
+            <a:xfrm>
+              <a:off x="2074084" y="3438259"/>
+              <a:ext cx="216130" cy="195351"/>
+            </a:xfrm>
+            <a:prstGeom prst="downArrow">
+              <a:avLst/>
+            </a:prstGeom>
+          </p:spPr>
+          <p:style>
+            <a:lnRef idx="2">
+              <a:schemeClr val="accent1">
+                <a:shade val="50000"/>
+              </a:schemeClr>
+            </a:lnRef>
+            <a:fillRef idx="1">
+              <a:schemeClr val="accent1"/>
+            </a:fillRef>
+            <a:effectRef idx="0">
+              <a:schemeClr val="accent1"/>
+            </a:effectRef>
+            <a:fontRef idx="minor">
+              <a:schemeClr val="lt1"/>
+            </a:fontRef>
+          </p:style>
+          <p:txBody>
+            <a:bodyPr rtlCol="0" anchor="ctr"/>
+            <a:lstStyle/>
+            <a:p>
+              <a:pPr algn="ctr"/>
+              <a:endParaRPr lang="zh-CN" altLang="en-US"/>
+            </a:p>
+          </p:txBody>
+        </p:sp>
+        <p:sp>
+          <p:nvSpPr>
+            <p:cNvPr id="13" name="矩形 12"/>
+            <p:cNvSpPr/>
+            <p:nvPr/>
+          </p:nvSpPr>
+          <p:spPr>
+            <a:xfrm>
+              <a:off x="2128059" y="3392540"/>
+              <a:ext cx="7830589" cy="45719"/>
+            </a:xfrm>
+            <a:prstGeom prst="rect">
+              <a:avLst/>
+            </a:prstGeom>
+          </p:spPr>
+          <p:style>
+            <a:lnRef idx="2">
+              <a:schemeClr val="accent1">
+                <a:shade val="50000"/>
+              </a:schemeClr>
+            </a:lnRef>
+            <a:fillRef idx="1">
+              <a:schemeClr val="accent1"/>
+            </a:fillRef>
+            <a:effectRef idx="0">
+              <a:schemeClr val="accent1"/>
+            </a:effectRef>
+            <a:fontRef idx="minor">
+              <a:schemeClr val="lt1"/>
+            </a:fontRef>
+          </p:style>
+          <p:txBody>
+            <a:bodyPr rtlCol="0" anchor="ctr"/>
+            <a:lstStyle/>
+            <a:p>
+              <a:pPr algn="ctr"/>
+              <a:endParaRPr lang="zh-CN" altLang="en-US"/>
+            </a:p>
+          </p:txBody>
+        </p:sp>
+        <p:sp>
+          <p:nvSpPr>
+            <p:cNvPr id="14" name="矩形 13"/>
+            <p:cNvSpPr/>
+            <p:nvPr/>
+          </p:nvSpPr>
+          <p:spPr>
+            <a:xfrm>
+              <a:off x="9851231" y="3273425"/>
+              <a:ext cx="107417" cy="119115"/>
+            </a:xfrm>
+            <a:prstGeom prst="rect">
+              <a:avLst/>
+            </a:prstGeom>
+          </p:spPr>
+          <p:style>
+            <a:lnRef idx="2">
+              <a:schemeClr val="accent1">
+                <a:shade val="50000"/>
+              </a:schemeClr>
+            </a:lnRef>
+            <a:fillRef idx="1">
+              <a:schemeClr val="accent1"/>
+            </a:fillRef>
+            <a:effectRef idx="0">
+              <a:schemeClr val="accent1"/>
+            </a:effectRef>
+            <a:fontRef idx="minor">
+              <a:schemeClr val="lt1"/>
+            </a:fontRef>
+          </p:style>
+          <p:txBody>
+            <a:bodyPr rtlCol="0" anchor="ctr"/>
+            <a:lstStyle/>
+            <a:p>
+              <a:pPr algn="ctr"/>
+              <a:endParaRPr lang="zh-CN" altLang="en-US"/>
+            </a:p>
+          </p:txBody>
+        </p:sp>
+      </p:grpSp>
+      <p:sp>
+        <p:nvSpPr>
+          <p:cNvPr id="16" name="矩形 15"/>
+          <p:cNvSpPr/>
+          <p:nvPr/>
+        </p:nvSpPr>
+        <p:spPr>
+          <a:xfrm>
+            <a:off x="2135202" y="3401307"/>
+            <a:ext cx="96029" cy="88634"/>
+          </a:xfrm>
+          <a:prstGeom prst="rect">
+            <a:avLst/>
+          </a:prstGeom>
+          <a:ln>
+            <a:noFill/>
+          </a:ln>
+        </p:spPr>
+        <p:style>
+          <a:lnRef idx="2">
+            <a:schemeClr val="accent1">
+              <a:shade val="50000"/>
+            </a:schemeClr>
+          </a:lnRef>
+          <a:fillRef idx="1">
+            <a:schemeClr val="accent1"/>
+          </a:fillRef>
+          <a:effectRef idx="0">
+            <a:schemeClr val="accent1"/>
+          </a:effectRef>
+          <a:fontRef idx="minor">
+            <a:schemeClr val="lt1"/>
+          </a:fontRef>
+        </p:style>
+        <p:txBody>
+          <a:bodyPr rtlCol="0" anchor="ctr"/>
+          <a:lstStyle/>
+          <a:p>
+            <a:pPr algn="ctr"/>
+            <a:endParaRPr lang="zh-CN" altLang="en-US"/>
+          </a:p>
+        </p:txBody>
+      </p:sp>
+      <p:sp>
+        <p:nvSpPr>
+          <p:cNvPr id="17" name="矩形 16"/>
+          <p:cNvSpPr/>
+          <p:nvPr/>
+        </p:nvSpPr>
+        <p:spPr>
+          <a:xfrm>
+            <a:off x="9857857" y="3335561"/>
+            <a:ext cx="96029" cy="88634"/>
+          </a:xfrm>
+          <a:prstGeom prst="rect">
+            <a:avLst/>
+          </a:prstGeom>
+          <a:ln>
+            <a:noFill/>
+          </a:ln>
+        </p:spPr>
+        <p:style>
+          <a:lnRef idx="2">
+            <a:schemeClr val="accent1">
+              <a:shade val="50000"/>
+            </a:schemeClr>
+          </a:lnRef>
+          <a:fillRef idx="1">
+            <a:schemeClr val="accent1"/>
+          </a:fillRef>
+          <a:effectRef idx="0">
+            <a:schemeClr val="accent1"/>
+          </a:effectRef>
+          <a:fontRef idx="minor">
+            <a:schemeClr val="lt1"/>
+          </a:fontRef>
+        </p:style>
+        <p:txBody>
+          <a:bodyPr rtlCol="0" anchor="ctr"/>
+          <a:lstStyle/>
+          <a:p>
+            <a:pPr algn="ctr"/>
+            <a:endParaRPr lang="zh-CN" altLang="en-US"/>
+          </a:p>
+        </p:txBody>
+      </p:sp>
+    </p:spTree>
+    <p:extLst>
+      <p:ext uri="{BB962C8B-B14F-4D97-AF65-F5344CB8AC3E}">
+        <p14:creationId xmlns:p14="http://schemas.microsoft.com/office/powerpoint/2010/main" val="3740014904"/>
+      </p:ext>
+    </p:extLst>
+  </p:cSld>
+  <p:clrMapOvr>
+    <a:masterClrMapping/>
+  </p:clrMapOvr>
+</p:sld>
+</file>
+
 <file path=ppt/theme/theme1.xml><?xml version="1.0" encoding="utf-8"?>
 <a:theme xmlns:a="http://schemas.openxmlformats.org/drawingml/2006/main" name="Office 主题​​">
   <a:themeElements>
